--- a/MCatalano_Case2_Presentation.pptx
+++ b/MCatalano_Case2_Presentation.pptx
@@ -696,11 +696,11 @@
           <c:showBubbleSize val="0"/>
         </c:dLbls>
         <c:gapWidth val="182"/>
-        <c:axId val="1064349616"/>
-        <c:axId val="1064338736"/>
+        <c:axId val="-9938960"/>
+        <c:axId val="-1914117344"/>
       </c:barChart>
       <c:catAx>
-        <c:axId val="1064349616"/>
+        <c:axId val="-9938960"/>
         <c:scaling>
           <c:orientation val="minMax"/>
         </c:scaling>
@@ -743,7 +743,7 @@
             <a:endParaRPr lang="en-US"/>
           </a:p>
         </c:txPr>
-        <c:crossAx val="1064338736"/>
+        <c:crossAx val="-1914117344"/>
         <c:crosses val="autoZero"/>
         <c:auto val="1"/>
         <c:lblAlgn val="ctr"/>
@@ -751,7 +751,7 @@
         <c:noMultiLvlLbl val="0"/>
       </c:catAx>
       <c:valAx>
-        <c:axId val="1064338736"/>
+        <c:axId val="-1914117344"/>
         <c:scaling>
           <c:orientation val="minMax"/>
         </c:scaling>
@@ -788,7 +788,7 @@
             <a:endParaRPr lang="en-US"/>
           </a:p>
         </c:txPr>
-        <c:crossAx val="1064349616"/>
+        <c:crossAx val="-9938960"/>
         <c:crosses val="autoZero"/>
         <c:crossBetween val="between"/>
       </c:valAx>
@@ -1597,7 +1597,7 @@
             <a:fld id="{87DE6118-2437-4B30-8E3C-4D2BE6020583}" type="datetimeFigureOut">
               <a:rPr lang="en-US" dirty="0"/>
               <a:pPr/>
-              <a:t>12/6/2018</a:t>
+              <a:t>12/9/2018</a:t>
             </a:fld>
             <a:endParaRPr lang="en-US" dirty="0"/>
           </a:p>
@@ -1923,7 +1923,7 @@
           <a:p>
             <a:fld id="{87DE6118-2437-4B30-8E3C-4D2BE6020583}" type="datetimeFigureOut">
               <a:rPr lang="en-US" dirty="0"/>
-              <a:t>12/6/2018</a:t>
+              <a:t>12/9/2018</a:t>
             </a:fld>
             <a:endParaRPr lang="en-US" dirty="0"/>
           </a:p>
@@ -2098,7 +2098,7 @@
           <a:p>
             <a:fld id="{87DE6118-2437-4B30-8E3C-4D2BE6020583}" type="datetimeFigureOut">
               <a:rPr lang="en-US" dirty="0"/>
-              <a:t>12/6/2018</a:t>
+              <a:t>12/9/2018</a:t>
             </a:fld>
             <a:endParaRPr lang="en-US" dirty="0"/>
           </a:p>
@@ -2263,7 +2263,7 @@
           <a:p>
             <a:fld id="{87DE6118-2437-4B30-8E3C-4D2BE6020583}" type="datetimeFigureOut">
               <a:rPr lang="en-US" dirty="0"/>
-              <a:t>12/6/2018</a:t>
+              <a:t>12/9/2018</a:t>
             </a:fld>
             <a:endParaRPr lang="en-US" dirty="0"/>
           </a:p>
@@ -2536,7 +2536,7 @@
             <a:fld id="{87DE6118-2437-4B30-8E3C-4D2BE6020583}" type="datetimeFigureOut">
               <a:rPr lang="en-US" dirty="0"/>
               <a:pPr/>
-              <a:t>12/6/2018</a:t>
+              <a:t>12/9/2018</a:t>
             </a:fld>
             <a:endParaRPr lang="en-US" dirty="0"/>
           </a:p>
@@ -2926,7 +2926,7 @@
           <a:p>
             <a:fld id="{87DE6118-2437-4B30-8E3C-4D2BE6020583}" type="datetimeFigureOut">
               <a:rPr lang="en-US" dirty="0"/>
-              <a:t>12/6/2018</a:t>
+              <a:t>12/9/2018</a:t>
             </a:fld>
             <a:endParaRPr lang="en-US" dirty="0"/>
           </a:p>
@@ -3398,7 +3398,7 @@
           <a:p>
             <a:fld id="{87DE6118-2437-4B30-8E3C-4D2BE6020583}" type="datetimeFigureOut">
               <a:rPr lang="en-US" dirty="0"/>
-              <a:t>12/6/2018</a:t>
+              <a:t>12/9/2018</a:t>
             </a:fld>
             <a:endParaRPr lang="en-US" dirty="0"/>
           </a:p>
@@ -3511,7 +3511,7 @@
           <a:p>
             <a:fld id="{87DE6118-2437-4B30-8E3C-4D2BE6020583}" type="datetimeFigureOut">
               <a:rPr lang="en-US" dirty="0"/>
-              <a:t>12/6/2018</a:t>
+              <a:t>12/9/2018</a:t>
             </a:fld>
             <a:endParaRPr lang="en-US" dirty="0"/>
           </a:p>
@@ -3601,7 +3601,7 @@
           <a:p>
             <a:fld id="{87DE6118-2437-4B30-8E3C-4D2BE6020583}" type="datetimeFigureOut">
               <a:rPr lang="en-US" dirty="0"/>
-              <a:t>12/6/2018</a:t>
+              <a:t>12/9/2018</a:t>
             </a:fld>
             <a:endParaRPr lang="en-US" dirty="0"/>
           </a:p>
@@ -3943,7 +3943,7 @@
             <a:fld id="{87DE6118-2437-4B30-8E3C-4D2BE6020583}" type="datetimeFigureOut">
               <a:rPr lang="en-US" dirty="0"/>
               <a:pPr/>
-              <a:t>12/6/2018</a:t>
+              <a:t>12/9/2018</a:t>
             </a:fld>
             <a:endParaRPr lang="en-US" dirty="0"/>
           </a:p>
@@ -4328,7 +4328,7 @@
             <a:fld id="{87DE6118-2437-4B30-8E3C-4D2BE6020583}" type="datetimeFigureOut">
               <a:rPr lang="en-US" dirty="0"/>
               <a:pPr/>
-              <a:t>12/6/2018</a:t>
+              <a:t>12/9/2018</a:t>
             </a:fld>
             <a:endParaRPr lang="en-US" dirty="0"/>
           </a:p>
@@ -4603,7 +4603,7 @@
             <a:fld id="{87DE6118-2437-4B30-8E3C-4D2BE6020583}" type="datetimeFigureOut">
               <a:rPr lang="en-US" dirty="0"/>
               <a:pPr/>
-              <a:t>12/6/2018</a:t>
+              <a:t>12/9/2018</a:t>
             </a:fld>
             <a:endParaRPr lang="en-US" dirty="0"/>
           </a:p>
@@ -5971,19 +5971,7 @@
             </a:pPr>
             <a:r>
               <a:rPr lang="en-US" sz="1400" dirty="0" smtClean="0"/>
-              <a:t>Run </a:t>
-            </a:r>
-            <a:r>
-              <a:rPr lang="en-US" sz="1400" dirty="0" smtClean="0"/>
-              <a:t>correlation matrix on </a:t>
-            </a:r>
-            <a:r>
-              <a:rPr lang="en-US" sz="1400" dirty="0" smtClean="0"/>
-              <a:t>cleansed </a:t>
-            </a:r>
-            <a:r>
-              <a:rPr lang="en-US" sz="1400" dirty="0" smtClean="0"/>
-              <a:t>dataset</a:t>
+              <a:t>Run correlation matrix on cleansed dataset</a:t>
             </a:r>
           </a:p>
           <a:p>
@@ -5993,15 +5981,7 @@
             </a:pPr>
             <a:r>
               <a:rPr lang="en-US" sz="1400" dirty="0" smtClean="0"/>
-              <a:t>Check Attrition column against </a:t>
-            </a:r>
-            <a:r>
-              <a:rPr lang="en-US" sz="1400" dirty="0" smtClean="0"/>
-              <a:t>other numerical variables</a:t>
-            </a:r>
-            <a:r>
-              <a:rPr lang="en-US" sz="1400" dirty="0" smtClean="0"/>
-              <a:t>, assess the strength of the correlation (r)</a:t>
+              <a:t>Check Attrition column against other numerical variables, assess the strength of the correlation (r)</a:t>
             </a:r>
           </a:p>
           <a:p>
@@ -6977,7 +6957,19 @@
           <a:p>
             <a:r>
               <a:rPr lang="en-US" sz="1800" dirty="0" smtClean="0"/>
-              <a:t>To aid in the statistical significance of our targeted variables, a chi-squared test was used to assess p-values of attrition and the five chosen variables</a:t>
+              <a:t>To aid in the statistical significance of our targeted variables, a chi-squared test was used to assess p-values of attrition and </a:t>
+            </a:r>
+            <a:r>
+              <a:rPr lang="en-US" sz="1800" smtClean="0"/>
+              <a:t>the </a:t>
+            </a:r>
+            <a:r>
+              <a:rPr lang="en-US" sz="1800" smtClean="0"/>
+              <a:t>four </a:t>
+            </a:r>
+            <a:r>
+              <a:rPr lang="en-US" sz="1800" dirty="0" smtClean="0"/>
+              <a:t>chosen variables</a:t>
             </a:r>
           </a:p>
           <a:p>
@@ -7044,15 +7036,7 @@
             </a:pPr>
             <a:r>
               <a:rPr lang="en-US" sz="2800" dirty="0" smtClean="0"/>
-              <a:t>Since all p-values are &lt;0.05, the differences we see in these </a:t>
-            </a:r>
-            <a:r>
-              <a:rPr lang="en-US" sz="2800" dirty="0" smtClean="0"/>
-              <a:t>variables </a:t>
-            </a:r>
-            <a:r>
-              <a:rPr lang="en-US" sz="2800" dirty="0" smtClean="0"/>
-              <a:t>as they relate to attrition are not just due to randomness</a:t>
+              <a:t>Since all p-values are &lt;0.05, the differences we see in these variables as they relate to attrition are not just due to randomness</a:t>
             </a:r>
           </a:p>
         </p:txBody>
@@ -8154,11 +8138,7 @@
             </a:r>
             <a:r>
               <a:rPr lang="en-US" sz="1100" dirty="0" smtClean="0"/>
-              <a:t>prediction accuracy</a:t>
-            </a:r>
-            <a:r>
-              <a:rPr lang="en-US" sz="1100" dirty="0" smtClean="0"/>
-              <a:t>.</a:t>
+              <a:t>prediction accuracy.</a:t>
             </a:r>
             <a:endParaRPr lang="en-US" sz="1100" b="1" dirty="0"/>
           </a:p>
@@ -9132,13 +9112,8 @@
             </a:r>
             <a:r>
               <a:rPr lang="en-US" dirty="0" smtClean="0"/>
-              <a:t>rating of </a:t>
-            </a:r>
-            <a:r>
-              <a:rPr lang="en-US" dirty="0" smtClean="0"/>
-              <a:t>83%</a:t>
-            </a:r>
-            <a:endParaRPr lang="en-US" dirty="0" smtClean="0"/>
+              <a:t>rating of 83%</a:t>
+            </a:r>
           </a:p>
           <a:p>
             <a:r>
@@ -9147,27 +9122,7 @@
             </a:r>
             <a:r>
               <a:rPr lang="en-US" dirty="0" smtClean="0"/>
-              <a:t> </a:t>
-            </a:r>
-            <a:r>
-              <a:rPr lang="en-US" dirty="0" smtClean="0"/>
-              <a:t>rating of </a:t>
-            </a:r>
-            <a:r>
-              <a:rPr lang="en-US" dirty="0" smtClean="0"/>
-              <a:t>.40, </a:t>
-            </a:r>
-            <a:r>
-              <a:rPr lang="en-US" dirty="0" smtClean="0"/>
-              <a:t>means when there is an attrition event, the model predicts this event </a:t>
-            </a:r>
-            <a:r>
-              <a:rPr lang="en-US" dirty="0" smtClean="0"/>
-              <a:t>40% </a:t>
-            </a:r>
-            <a:r>
-              <a:rPr lang="en-US" dirty="0" smtClean="0"/>
-              <a:t>of the time </a:t>
+              <a:t> rating of .40, means when there is an attrition event, the model predicts this event 40% of the time </a:t>
             </a:r>
           </a:p>
           <a:p>
@@ -9177,23 +9132,7 @@
             </a:r>
             <a:r>
               <a:rPr lang="en-US" dirty="0" smtClean="0"/>
-              <a:t> is </a:t>
-            </a:r>
-            <a:r>
-              <a:rPr lang="en-US" dirty="0" smtClean="0"/>
-              <a:t>.85, </a:t>
-            </a:r>
-            <a:r>
-              <a:rPr lang="en-US" dirty="0" smtClean="0"/>
-              <a:t>meaning when there is a non-event (non-attrition), the model predicts it </a:t>
-            </a:r>
-            <a:r>
-              <a:rPr lang="en-US" dirty="0" smtClean="0"/>
-              <a:t>85% </a:t>
-            </a:r>
-            <a:r>
-              <a:rPr lang="en-US" dirty="0" smtClean="0"/>
-              <a:t>of the time</a:t>
+              <a:t> is .85, meaning when there is a non-event (non-attrition), the model predicts it 85% of the time</a:t>
             </a:r>
             <a:endParaRPr lang="en-US" dirty="0"/>
           </a:p>
